--- a/illumination-tutor/Proposal.pptx
+++ b/illumination-tutor/Proposal.pptx
@@ -6,7 +6,9 @@
   </p:sldMasterIdLst>
   <p:sldIdLst>
     <p:sldId id="256" r:id="rId2"/>
-    <p:sldId id="257" r:id="rId3"/>
+    <p:sldId id="259" r:id="rId3"/>
+    <p:sldId id="257" r:id="rId4"/>
+    <p:sldId id="258" r:id="rId5"/>
   </p:sldIdLst>
   <p:sldSz cx="12192000" cy="6858000"/>
   <p:notesSz cx="6858000" cy="9144000"/>
@@ -105,6 +107,11 @@
       </a:defRPr>
     </a:lvl9pPr>
   </p:defaultTextStyle>
+  <p:extLst>
+    <p:ext uri="{EFAFB233-063F-42B5-8137-9DF3F51BA10A}">
+      <p15:sldGuideLst xmlns:p15="http://schemas.microsoft.com/office/powerpoint/2012/main"/>
+    </p:ext>
+  </p:extLst>
 </p:presentation>
 </file>
 
@@ -3444,6 +3451,104 @@
           <p:cNvPr id="2" name="Title 1">
             <a:extLst>
               <a:ext uri="{FF2B5EF4-FFF2-40B4-BE49-F238E27FC236}">
+                <a16:creationId xmlns:a16="http://schemas.microsoft.com/office/drawing/2014/main" id="{A8AE7D4D-823E-3A3E-B11B-A518662F43CC}"/>
+              </a:ext>
+            </a:extLst>
+          </p:cNvPr>
+          <p:cNvSpPr>
+            <a:spLocks noGrp="1"/>
+          </p:cNvSpPr>
+          <p:nvPr>
+            <p:ph type="title"/>
+          </p:nvPr>
+        </p:nvSpPr>
+        <p:spPr/>
+        <p:txBody>
+          <a:bodyPr/>
+          <a:lstStyle/>
+          <a:p>
+            <a:r>
+              <a:rPr lang="en-US" dirty="0"/>
+              <a:t>What is the problem?</a:t>
+            </a:r>
+          </a:p>
+        </p:txBody>
+      </p:sp>
+      <p:sp>
+        <p:nvSpPr>
+          <p:cNvPr id="3" name="Content Placeholder 2">
+            <a:extLst>
+              <a:ext uri="{FF2B5EF4-FFF2-40B4-BE49-F238E27FC236}">
+                <a16:creationId xmlns:a16="http://schemas.microsoft.com/office/drawing/2014/main" id="{B913B422-5FAF-9686-F893-B5869D7C7075}"/>
+              </a:ext>
+            </a:extLst>
+          </p:cNvPr>
+          <p:cNvSpPr>
+            <a:spLocks noGrp="1"/>
+          </p:cNvSpPr>
+          <p:nvPr>
+            <p:ph idx="1"/>
+          </p:nvPr>
+        </p:nvSpPr>
+        <p:spPr/>
+        <p:txBody>
+          <a:bodyPr/>
+          <a:lstStyle/>
+          <a:p>
+            <a:r>
+              <a:rPr lang="en-US" dirty="0"/>
+              <a:t>Cost</a:t>
+            </a:r>
+          </a:p>
+          <a:p>
+            <a:r>
+              <a:rPr lang="en-US" dirty="0"/>
+              <a:t>Unique</a:t>
+            </a:r>
+          </a:p>
+          <a:p>
+            <a:r>
+              <a:rPr lang="en-US" dirty="0"/>
+              <a:t>Trend</a:t>
+            </a:r>
+          </a:p>
+        </p:txBody>
+      </p:sp>
+    </p:spTree>
+    <p:extLst>
+      <p:ext uri="{BB962C8B-B14F-4D97-AF65-F5344CB8AC3E}">
+        <p14:creationId xmlns:p14="http://schemas.microsoft.com/office/powerpoint/2010/main" val="3714402034"/>
+      </p:ext>
+    </p:extLst>
+  </p:cSld>
+  <p:clrMapOvr>
+    <a:masterClrMapping/>
+  </p:clrMapOvr>
+</p:sld>
+</file>
+
+<file path=ppt/slides/slide3.xml><?xml version="1.0" encoding="utf-8"?>
+<p:sld xmlns:a="http://schemas.openxmlformats.org/drawingml/2006/main" xmlns:r="http://schemas.openxmlformats.org/officeDocument/2006/relationships" xmlns:p="http://schemas.openxmlformats.org/presentationml/2006/main">
+  <p:cSld>
+    <p:spTree>
+      <p:nvGrpSpPr>
+        <p:cNvPr id="1" name=""/>
+        <p:cNvGrpSpPr/>
+        <p:nvPr/>
+      </p:nvGrpSpPr>
+      <p:grpSpPr>
+        <a:xfrm>
+          <a:off x="0" y="0"/>
+          <a:ext cx="0" cy="0"/>
+          <a:chOff x="0" y="0"/>
+          <a:chExt cx="0" cy="0"/>
+        </a:xfrm>
+      </p:grpSpPr>
+      <p:sp>
+        <p:nvSpPr>
+          <p:cNvPr id="2" name="Title 1">
+            <a:extLst>
+              <a:ext uri="{FF2B5EF4-FFF2-40B4-BE49-F238E27FC236}">
                 <a16:creationId xmlns:a16="http://schemas.microsoft.com/office/drawing/2014/main" id="{6C459956-96BD-0F69-65DF-E30D8603CF98}"/>
               </a:ext>
             </a:extLst>
@@ -3460,32 +3565,153 @@
           <a:bodyPr/>
           <a:lstStyle/>
           <a:p>
+            <a:r>
+              <a:rPr lang="en-US" dirty="0"/>
+              <a:t>What is the solution?</a:t>
+            </a:r>
+          </a:p>
+        </p:txBody>
+      </p:sp>
+      <p:sp>
+        <p:nvSpPr>
+          <p:cNvPr id="3" name="Content Placeholder 2">
+            <a:extLst>
+              <a:ext uri="{FF2B5EF4-FFF2-40B4-BE49-F238E27FC236}">
+                <a16:creationId xmlns:a16="http://schemas.microsoft.com/office/drawing/2014/main" id="{84FF0C31-8FF1-5083-F9CB-C1983106D3BD}"/>
+              </a:ext>
+            </a:extLst>
+          </p:cNvPr>
+          <p:cNvSpPr>
+            <a:spLocks noGrp="1"/>
+          </p:cNvSpPr>
+          <p:nvPr>
+            <p:ph idx="1"/>
+          </p:nvPr>
+        </p:nvSpPr>
+        <p:spPr/>
+        <p:txBody>
+          <a:bodyPr/>
+          <a:lstStyle/>
+          <a:p>
+            <a:r>
+              <a:rPr lang="en-US" dirty="0"/>
+              <a:t>An </a:t>
+            </a:r>
+            <a:r>
+              <a:rPr lang="en-US" dirty="0">
+                <a:solidFill>
+                  <a:schemeClr val="accent1">
+                    <a:lumMod val="75000"/>
+                  </a:schemeClr>
+                </a:solidFill>
+              </a:rPr>
+              <a:t>AI-powered</a:t>
+            </a:r>
+            <a:r>
+              <a:rPr lang="en-US" dirty="0"/>
+              <a:t> platform for Illumination</a:t>
+            </a:r>
+          </a:p>
+          <a:p>
+            <a:r>
+              <a:rPr lang="en-US" dirty="0"/>
+              <a:t>Functionalities covered:</a:t>
+            </a:r>
+          </a:p>
+          <a:p>
+            <a:pPr lvl="1"/>
+            <a:r>
+              <a:rPr lang="en-US" dirty="0">
+                <a:solidFill>
+                  <a:schemeClr val="accent1">
+                    <a:lumMod val="75000"/>
+                  </a:schemeClr>
+                </a:solidFill>
+              </a:rPr>
+              <a:t>AI tutoring assistant</a:t>
+            </a:r>
+          </a:p>
+          <a:p>
+            <a:pPr lvl="2"/>
+            <a:r>
+              <a:rPr lang="en-US" dirty="0"/>
+              <a:t>Feedback generation</a:t>
+            </a:r>
+          </a:p>
+          <a:p>
+            <a:pPr lvl="2"/>
+            <a:r>
+              <a:rPr lang="en-US" dirty="0"/>
+              <a:t>Task generation</a:t>
+            </a:r>
+          </a:p>
+          <a:p>
+            <a:pPr lvl="2"/>
+            <a:r>
+              <a:rPr lang="en-US" dirty="0"/>
+              <a:t>…</a:t>
+            </a:r>
+          </a:p>
+          <a:p>
+            <a:pPr lvl="1"/>
+            <a:r>
+              <a:rPr lang="en-US" dirty="0">
+                <a:solidFill>
+                  <a:schemeClr val="accent1">
+                    <a:lumMod val="75000"/>
+                  </a:schemeClr>
+                </a:solidFill>
+              </a:rPr>
+              <a:t>AI teaching assistant</a:t>
+            </a:r>
+          </a:p>
+          <a:p>
+            <a:pPr lvl="2"/>
+            <a:r>
+              <a:rPr lang="en-US" dirty="0"/>
+              <a:t>24/7 help with questions</a:t>
+            </a:r>
+          </a:p>
+          <a:p>
+            <a:pPr lvl="2"/>
+            <a:r>
+              <a:rPr lang="en-US" dirty="0"/>
+              <a:t>Help prepare lessons</a:t>
+            </a:r>
+          </a:p>
+          <a:p>
+            <a:pPr lvl="2"/>
+            <a:r>
+              <a:rPr lang="en-US" dirty="0"/>
+              <a:t>…</a:t>
+            </a:r>
+          </a:p>
+          <a:p>
+            <a:pPr lvl="1"/>
+            <a:r>
+              <a:rPr lang="en-US" dirty="0"/>
+              <a:t>Traditional online platform functionalities</a:t>
+            </a:r>
+          </a:p>
+          <a:p>
+            <a:pPr lvl="2"/>
             <a:endParaRPr lang="en-US" dirty="0"/>
           </a:p>
-        </p:txBody>
-      </p:sp>
-      <p:sp>
-        <p:nvSpPr>
-          <p:cNvPr id="3" name="Content Placeholder 2">
-            <a:extLst>
-              <a:ext uri="{FF2B5EF4-FFF2-40B4-BE49-F238E27FC236}">
-                <a16:creationId xmlns:a16="http://schemas.microsoft.com/office/drawing/2014/main" id="{84FF0C31-8FF1-5083-F9CB-C1983106D3BD}"/>
-              </a:ext>
-            </a:extLst>
-          </p:cNvPr>
-          <p:cNvSpPr>
-            <a:spLocks noGrp="1"/>
-          </p:cNvSpPr>
-          <p:nvPr>
-            <p:ph idx="1"/>
-          </p:nvPr>
-        </p:nvSpPr>
-        <p:spPr/>
-        <p:txBody>
-          <a:bodyPr/>
-          <a:lstStyle/>
-          <a:p>
-            <a:endParaRPr lang="en-US"/>
+          <a:p>
+            <a:pPr marL="914400" lvl="2" indent="0">
+              <a:buNone/>
+            </a:pPr>
+            <a:endParaRPr lang="en-US" dirty="0"/>
+          </a:p>
+          <a:p>
+            <a:pPr marL="914400" lvl="2" indent="0">
+              <a:buNone/>
+            </a:pPr>
+            <a:endParaRPr lang="en-US" dirty="0"/>
+          </a:p>
+          <a:p>
+            <a:pPr lvl="2"/>
+            <a:endParaRPr lang="en-US" dirty="0"/>
           </a:p>
         </p:txBody>
       </p:sp>
@@ -3493,6 +3719,86 @@
     <p:extLst>
       <p:ext uri="{BB962C8B-B14F-4D97-AF65-F5344CB8AC3E}">
         <p14:creationId xmlns:p14="http://schemas.microsoft.com/office/powerpoint/2010/main" val="2805635032"/>
+      </p:ext>
+    </p:extLst>
+  </p:cSld>
+  <p:clrMapOvr>
+    <a:masterClrMapping/>
+  </p:clrMapOvr>
+</p:sld>
+</file>
+
+<file path=ppt/slides/slide4.xml><?xml version="1.0" encoding="utf-8"?>
+<p:sld xmlns:a="http://schemas.openxmlformats.org/drawingml/2006/main" xmlns:r="http://schemas.openxmlformats.org/officeDocument/2006/relationships" xmlns:p="http://schemas.openxmlformats.org/presentationml/2006/main">
+  <p:cSld>
+    <p:spTree>
+      <p:nvGrpSpPr>
+        <p:cNvPr id="1" name=""/>
+        <p:cNvGrpSpPr/>
+        <p:nvPr/>
+      </p:nvGrpSpPr>
+      <p:grpSpPr>
+        <a:xfrm>
+          <a:off x="0" y="0"/>
+          <a:ext cx="0" cy="0"/>
+          <a:chOff x="0" y="0"/>
+          <a:chExt cx="0" cy="0"/>
+        </a:xfrm>
+      </p:grpSpPr>
+      <p:sp>
+        <p:nvSpPr>
+          <p:cNvPr id="2" name="Title 1">
+            <a:extLst>
+              <a:ext uri="{FF2B5EF4-FFF2-40B4-BE49-F238E27FC236}">
+                <a16:creationId xmlns:a16="http://schemas.microsoft.com/office/drawing/2014/main" id="{CEF1A4A8-F8D2-8B26-A155-832B46479A1A}"/>
+              </a:ext>
+            </a:extLst>
+          </p:cNvPr>
+          <p:cNvSpPr>
+            <a:spLocks noGrp="1"/>
+          </p:cNvSpPr>
+          <p:nvPr>
+            <p:ph type="title"/>
+          </p:nvPr>
+        </p:nvSpPr>
+        <p:spPr/>
+        <p:txBody>
+          <a:bodyPr/>
+          <a:lstStyle/>
+          <a:p>
+            <a:endParaRPr lang="en-US"/>
+          </a:p>
+        </p:txBody>
+      </p:sp>
+      <p:sp>
+        <p:nvSpPr>
+          <p:cNvPr id="3" name="Content Placeholder 2">
+            <a:extLst>
+              <a:ext uri="{FF2B5EF4-FFF2-40B4-BE49-F238E27FC236}">
+                <a16:creationId xmlns:a16="http://schemas.microsoft.com/office/drawing/2014/main" id="{5D4A6CB5-E23F-30FA-2C9B-29A200EF2491}"/>
+              </a:ext>
+            </a:extLst>
+          </p:cNvPr>
+          <p:cNvSpPr>
+            <a:spLocks noGrp="1"/>
+          </p:cNvSpPr>
+          <p:nvPr>
+            <p:ph idx="1"/>
+          </p:nvPr>
+        </p:nvSpPr>
+        <p:spPr/>
+        <p:txBody>
+          <a:bodyPr/>
+          <a:lstStyle/>
+          <a:p>
+            <a:endParaRPr lang="en-US"/>
+          </a:p>
+        </p:txBody>
+      </p:sp>
+    </p:spTree>
+    <p:extLst>
+      <p:ext uri="{BB962C8B-B14F-4D97-AF65-F5344CB8AC3E}">
+        <p14:creationId xmlns:p14="http://schemas.microsoft.com/office/powerpoint/2010/main" val="3533134533"/>
       </p:ext>
     </p:extLst>
   </p:cSld>
